--- a/docs/Plakat.pptx
+++ b/docs/Plakat.pptx
@@ -1799,7 +1799,7 @@
         <p:spPr>
           <a:xfrm>
             <a:off x="898776" y="896767"/>
-            <a:ext cx="8845847" cy="16158270"/>
+            <a:ext cx="8917577" cy="15727382"/>
           </a:xfrm>
           <a:prstGeom prst="rect">
             <a:avLst/>
@@ -1907,7 +1907,7 @@
                 <a:latin typeface="Lucida Sans"/>
                 <a:cs typeface="Calibri" panose="020F0502020204030204" pitchFamily="34" charset="0"/>
               </a:rPr>
-              <a:t>, which had the potential of being accepted as a large-scale, nationwide e-voting platform.</a:t>
+              <a:t>, which does meet the mentioned requirements. However, one challenge that still remains is the educational problem: it is difficult to understand such a complex protocol without sufficient knowledge of cryptography. </a:t>
             </a:r>
           </a:p>
           <a:p>
@@ -1918,16 +1918,45 @@
               <a:buSzPct val="80000"/>
               <a:defRPr/>
             </a:pPr>
-            <a:r>
-              <a:rPr lang="en-US" altLang="de-DE" sz="2800" dirty="0">
-                <a:solidFill>
-                  <a:prstClr val="black"/>
-                </a:solidFill>
-                <a:latin typeface="Lucida Sans"/>
-                <a:cs typeface="Calibri" panose="020F0502020204030204" pitchFamily="34" charset="0"/>
-              </a:rPr>
-              <a:t>However, one challenge that still remains is the educational problem: it is difficult to understand such a complex protocol without sufficient knowledge of cryptography. This might also result in mistrust towards e-voting.</a:t>
-            </a:r>
+            <a:endParaRPr lang="en-US" altLang="de-DE" sz="2800" dirty="0">
+              <a:solidFill>
+                <a:prstClr val="black"/>
+              </a:solidFill>
+              <a:latin typeface="Lucida Sans"/>
+              <a:cs typeface="Calibri" panose="020F0502020204030204" pitchFamily="34" charset="0"/>
+            </a:endParaRPr>
+          </a:p>
+          <a:p>
+            <a:pPr lvl="0">
+              <a:buClr>
+                <a:srgbClr val="FAA500"/>
+              </a:buClr>
+              <a:buSzPct val="80000"/>
+              <a:defRPr/>
+            </a:pPr>
+            <a:endParaRPr lang="en-US" altLang="de-DE" sz="2800" dirty="0">
+              <a:solidFill>
+                <a:prstClr val="black"/>
+              </a:solidFill>
+              <a:latin typeface="Lucida Sans"/>
+              <a:cs typeface="Calibri" panose="020F0502020204030204" pitchFamily="34" charset="0"/>
+            </a:endParaRPr>
+          </a:p>
+          <a:p>
+            <a:pPr lvl="0">
+              <a:buClr>
+                <a:srgbClr val="FAA500"/>
+              </a:buClr>
+              <a:buSzPct val="80000"/>
+              <a:defRPr/>
+            </a:pPr>
+            <a:endParaRPr lang="en-US" altLang="de-DE" sz="2800" dirty="0">
+              <a:solidFill>
+                <a:prstClr val="black"/>
+              </a:solidFill>
+              <a:latin typeface="Lucida Sans"/>
+              <a:cs typeface="Calibri" panose="020F0502020204030204" pitchFamily="34" charset="0"/>
+            </a:endParaRPr>
           </a:p>
           <a:p>
             <a:pPr lvl="0">
@@ -2002,7 +2031,7 @@
                 <a:latin typeface="Lucida Sans"/>
                 <a:cs typeface="Calibri" panose="020F0502020204030204" pitchFamily="34" charset="0"/>
               </a:rPr>
-              <a:t>The system will also allow to display multiple perspectives of an election event on different screens, which requires real-time synchronization of data. Another goal is to enable the authors of the specification, our supervisors, to use our application to present and explain their protocol to an audience</a:t>
+              <a:t>The system will also allow to display multiple perspectives of an election event on different screens, to enable the authors of the specification, our supervisors, to use our application to present the protocol to an audience</a:t>
             </a:r>
             <a:r>
               <a:rPr lang="fr-CH" sz="2800" dirty="0">
@@ -2012,7 +2041,7 @@
                 <a:latin typeface="Lucida Sans"/>
                 <a:cs typeface="Calibri" panose="020F0502020204030204" pitchFamily="34" charset="0"/>
               </a:rPr>
-              <a:t>.</a:t>
+              <a:t>. </a:t>
             </a:r>
             <a:endParaRPr lang="de-CH" sz="2800" dirty="0">
               <a:solidFill>
@@ -2049,7 +2078,7 @@
         <p:spPr>
           <a:xfrm>
             <a:off x="20356484" y="875399"/>
-            <a:ext cx="8845847" cy="6001643"/>
+            <a:ext cx="8845847" cy="5570756"/>
           </a:xfrm>
           <a:prstGeom prst="rect">
             <a:avLst/>
@@ -2115,7 +2144,25 @@
                 </a:solidFill>
                 <a:latin typeface="Lucida Sans" pitchFamily="34" charset="0"/>
               </a:rPr>
-              <a:t>With our application, it is possible to conduct election events according to the protocol specifications not only from the perspective of a voter, but also all other participating actors such as the election administrator, printing, or election authority. </a:t>
+              <a:t>With our application, it is possible to conduct election events not only from the perspective of a voter, but also all other participating actors such as the election authority or administrator.</a:t>
+            </a:r>
+          </a:p>
+          <a:p>
+            <a:pPr lvl="0">
+              <a:buClr>
+                <a:srgbClr val="FAA500"/>
+              </a:buClr>
+              <a:buSzPct val="80000"/>
+              <a:defRPr/>
+            </a:pPr>
+            <a:r>
+              <a:rPr lang="en-US" altLang="de-DE" sz="2800" dirty="0">
+                <a:solidFill>
+                  <a:prstClr val="black"/>
+                </a:solidFill>
+                <a:latin typeface="Lucida Sans" pitchFamily="34" charset="0"/>
+              </a:rPr>
+              <a:t> </a:t>
             </a:r>
           </a:p>
           <a:p>
@@ -2153,7 +2200,7 @@
         <p:spPr>
           <a:xfrm>
             <a:off x="10667052" y="893032"/>
-            <a:ext cx="8845847" cy="7294305"/>
+            <a:ext cx="8845847" cy="6432530"/>
           </a:xfrm>
           <a:prstGeom prst="rect">
             <a:avLst/>
@@ -2208,7 +2255,7 @@
                 </a:solidFill>
                 <a:latin typeface="Lucida Sans"/>
               </a:rPr>
-              <a:t>We first implemented approximately 75 algorithms that have been described in the specifications. In addition to this crypto-library, we also built a back-end that provides the voting functionality as an API. Both the library as well as the back-end are written in Python.</a:t>
+              <a:t>We implemented approximately 75 algorithms that have been described in the specifications and used the resulting crypto-library to build a back-end that provides the voting functionality as an API. Both components are written in Python.</a:t>
             </a:r>
           </a:p>
           <a:p>
@@ -2229,7 +2276,7 @@
                 </a:solidFill>
                 <a:latin typeface="Lucida Sans"/>
               </a:rPr>
-              <a:t>Our front-end that visualizes all the voting phases is a single-page application written in JavaScript using the </a:t>
+              <a:t>Our front-end is a single-page application written in JavaScript using the </a:t>
             </a:r>
             <a:r>
               <a:rPr lang="en-GB" sz="2800" dirty="0" err="1">
@@ -2247,25 +2294,7 @@
                 </a:solidFill>
                 <a:latin typeface="Lucida Sans"/>
               </a:rPr>
-              <a:t> framework. In order to achieve real-time updates, we have </a:t>
-            </a:r>
-            <a:r>
-              <a:rPr lang="en-GB" sz="2800">
-                <a:solidFill>
-                  <a:prstClr val="black"/>
-                </a:solidFill>
-                <a:latin typeface="Lucida Sans"/>
-              </a:rPr>
-              <a:t>used web sockets </a:t>
-            </a:r>
-            <a:r>
-              <a:rPr lang="en-GB" sz="2800" dirty="0">
-                <a:solidFill>
-                  <a:prstClr val="black"/>
-                </a:solidFill>
-                <a:latin typeface="Lucida Sans"/>
-              </a:rPr>
-              <a:t>(socket.io) to synchronize a client-side copy of the database whenever the data has been altered on the back-end. </a:t>
+              <a:t> framework. In order to achieve real-time updates, we have used web sockets (socket.io) to synchronize a client-side copy of the database whenever the data has been altered on the back-end. </a:t>
             </a:r>
           </a:p>
         </p:txBody>
@@ -2620,28 +2649,15 @@
 </file>
 
 <file path=customXml/item1.xml><?xml version="1.0" encoding="utf-8"?>
-<p:properties xmlns:p="http://schemas.microsoft.com/office/2006/metadata/properties" xmlns:xsi="http://www.w3.org/2001/XMLSchema-instance" xmlns:pc="http://schemas.microsoft.com/office/infopath/2007/PartnerControls">
-  <documentManagement>
-    <BfhIntranetDepartmentText xmlns="63c724b1-652e-424f-8d99-4ee509067280">
-      <Terms xmlns="http://schemas.microsoft.com/office/infopath/2007/PartnerControls">
-        <TermInfo xmlns="http://schemas.microsoft.com/office/infopath/2007/PartnerControls">
-          <TermName xmlns="http://schemas.microsoft.com/office/infopath/2007/PartnerControls">Vorlage</TermName>
-          <TermId xmlns="http://schemas.microsoft.com/office/infopath/2007/PartnerControls">de1a6d3c-ac6a-4b34-8edd-308eb81066db</TermId>
-        </TermInfo>
-      </Terms>
-    </BfhIntranetDepartmentText>
-    <TaxCatchAll xmlns="2551ef7e-3b29-44d1-a8ad-ef34c26bfc60">
-      <Value>241</Value>
-    </TaxCatchAll>
-  </documentManagement>
-</p:properties>
+<?mso-contentType ?>
+<FormTemplates xmlns="http://schemas.microsoft.com/sharepoint/v3/contenttype/forms">
+  <Display>DocumentLibraryForm</Display>
+  <Edit>DocumentLibraryForm</Edit>
+  <New>DocumentLibraryForm</New>
+</FormTemplates>
 </file>
 
 <file path=customXml/item2.xml><?xml version="1.0" encoding="utf-8"?>
-<LongProperties xmlns="http://schemas.microsoft.com/office/2006/metadata/longProperties"/>
-</file>
-
-<file path=customXml/item3.xml><?xml version="1.0" encoding="utf-8"?>
 <ct:contentTypeSchema xmlns:ct="http://schemas.microsoft.com/office/2006/metadata/contentType" xmlns:ma="http://schemas.microsoft.com/office/2006/metadata/properties/metaAttributes" ct:_="" ma:_="" ma:contentTypeName="BFH Document" ma:contentTypeID="0x0101009127C3B567804923A8661E062BBD8EF500562C9D82744B284A86093F1D9B579BDC" ma:contentTypeVersion="2" ma:contentTypeDescription="Ein neues Dokument erstellen." ma:contentTypeScope="" ma:versionID="9c45b5bf27c78835ceac1d8ed0ad849b">
   <xsd:schema xmlns:xsd="http://www.w3.org/2001/XMLSchema" xmlns:xs="http://www.w3.org/2001/XMLSchema" xmlns:p="http://schemas.microsoft.com/office/2006/metadata/properties" xmlns:ns2="63c724b1-652e-424f-8d99-4ee509067280" xmlns:ns3="2551ef7e-3b29-44d1-a8ad-ef34c26bfc60" targetNamespace="http://schemas.microsoft.com/office/2006/metadata/properties" ma:root="true" ma:fieldsID="77ddedd9f4909d73cfb737d3d691d0f9" ns2:_="" ns3:_="">
     <xsd:import namespace="63c724b1-652e-424f-8d99-4ee509067280"/>
@@ -2786,41 +2802,37 @@
 </ct:contentTypeSchema>
 </file>
 
+<file path=customXml/item3.xml><?xml version="1.0" encoding="utf-8"?>
+<LongProperties xmlns="http://schemas.microsoft.com/office/2006/metadata/longProperties"/>
+</file>
+
 <file path=customXml/item4.xml><?xml version="1.0" encoding="utf-8"?>
-<?mso-contentType ?>
-<FormTemplates xmlns="http://schemas.microsoft.com/sharepoint/v3/contenttype/forms">
-  <Display>DocumentLibraryForm</Display>
-  <Edit>DocumentLibraryForm</Edit>
-  <New>DocumentLibraryForm</New>
-</FormTemplates>
+<p:properties xmlns:p="http://schemas.microsoft.com/office/2006/metadata/properties" xmlns:xsi="http://www.w3.org/2001/XMLSchema-instance" xmlns:pc="http://schemas.microsoft.com/office/infopath/2007/PartnerControls">
+  <documentManagement>
+    <BfhIntranetDepartmentText xmlns="63c724b1-652e-424f-8d99-4ee509067280">
+      <Terms xmlns="http://schemas.microsoft.com/office/infopath/2007/PartnerControls">
+        <TermInfo xmlns="http://schemas.microsoft.com/office/infopath/2007/PartnerControls">
+          <TermName xmlns="http://schemas.microsoft.com/office/infopath/2007/PartnerControls">Vorlage</TermName>
+          <TermId xmlns="http://schemas.microsoft.com/office/infopath/2007/PartnerControls">de1a6d3c-ac6a-4b34-8edd-308eb81066db</TermId>
+        </TermInfo>
+      </Terms>
+    </BfhIntranetDepartmentText>
+    <TaxCatchAll xmlns="2551ef7e-3b29-44d1-a8ad-ef34c26bfc60">
+      <Value>241</Value>
+    </TaxCatchAll>
+  </documentManagement>
+</p:properties>
 </file>
 
 <file path=customXml/itemProps1.xml><?xml version="1.0" encoding="utf-8"?>
-<ds:datastoreItem xmlns:ds="http://schemas.openxmlformats.org/officeDocument/2006/customXml" ds:itemID="{12310AE4-98C2-4A3E-BE75-5A8AB8823A32}">
+<ds:datastoreItem xmlns:ds="http://schemas.openxmlformats.org/officeDocument/2006/customXml" ds:itemID="{47870AFC-B140-4E73-B0E2-054A74E7EB25}">
   <ds:schemaRefs>
-    <ds:schemaRef ds:uri="http://schemas.microsoft.com/office/2006/metadata/properties"/>
-    <ds:schemaRef ds:uri="http://schemas.microsoft.com/office/infopath/2007/PartnerControls"/>
-    <ds:schemaRef ds:uri="http://schemas.microsoft.com/office/2006/documentManagement/types"/>
-    <ds:schemaRef ds:uri="http://purl.org/dc/elements/1.1/"/>
-    <ds:schemaRef ds:uri="63c724b1-652e-424f-8d99-4ee509067280"/>
-    <ds:schemaRef ds:uri="http://purl.org/dc/terms/"/>
-    <ds:schemaRef ds:uri="http://www.w3.org/XML/1998/namespace"/>
-    <ds:schemaRef ds:uri="2551ef7e-3b29-44d1-a8ad-ef34c26bfc60"/>
-    <ds:schemaRef ds:uri="http://schemas.openxmlformats.org/package/2006/metadata/core-properties"/>
-    <ds:schemaRef ds:uri="http://purl.org/dc/dcmitype/"/>
+    <ds:schemaRef ds:uri="http://schemas.microsoft.com/sharepoint/v3/contenttype/forms"/>
   </ds:schemaRefs>
 </ds:datastoreItem>
 </file>
 
 <file path=customXml/itemProps2.xml><?xml version="1.0" encoding="utf-8"?>
-<ds:datastoreItem xmlns:ds="http://schemas.openxmlformats.org/officeDocument/2006/customXml" ds:itemID="{34ACECAE-8DDC-4218-ADDE-80828E100BF5}">
-  <ds:schemaRefs>
-    <ds:schemaRef ds:uri="http://schemas.microsoft.com/office/2006/metadata/longProperties"/>
-  </ds:schemaRefs>
-</ds:datastoreItem>
-</file>
-
-<file path=customXml/itemProps3.xml><?xml version="1.0" encoding="utf-8"?>
 <ds:datastoreItem xmlns:ds="http://schemas.openxmlformats.org/officeDocument/2006/customXml" ds:itemID="{064F56C1-3E03-4158-81FF-45AFD11405FB}">
   <ds:schemaRefs>
     <ds:schemaRef ds:uri="http://schemas.microsoft.com/office/2006/metadata/contentType"/>
@@ -2839,10 +2851,27 @@
 </ds:datastoreItem>
 </file>
 
+<file path=customXml/itemProps3.xml><?xml version="1.0" encoding="utf-8"?>
+<ds:datastoreItem xmlns:ds="http://schemas.openxmlformats.org/officeDocument/2006/customXml" ds:itemID="{34ACECAE-8DDC-4218-ADDE-80828E100BF5}">
+  <ds:schemaRefs>
+    <ds:schemaRef ds:uri="http://schemas.microsoft.com/office/2006/metadata/longProperties"/>
+  </ds:schemaRefs>
+</ds:datastoreItem>
+</file>
+
 <file path=customXml/itemProps4.xml><?xml version="1.0" encoding="utf-8"?>
-<ds:datastoreItem xmlns:ds="http://schemas.openxmlformats.org/officeDocument/2006/customXml" ds:itemID="{47870AFC-B140-4E73-B0E2-054A74E7EB25}">
+<ds:datastoreItem xmlns:ds="http://schemas.openxmlformats.org/officeDocument/2006/customXml" ds:itemID="{12310AE4-98C2-4A3E-BE75-5A8AB8823A32}">
   <ds:schemaRefs>
-    <ds:schemaRef ds:uri="http://schemas.microsoft.com/sharepoint/v3/contenttype/forms"/>
+    <ds:schemaRef ds:uri="http://schemas.microsoft.com/office/2006/metadata/properties"/>
+    <ds:schemaRef ds:uri="http://schemas.microsoft.com/office/infopath/2007/PartnerControls"/>
+    <ds:schemaRef ds:uri="http://schemas.microsoft.com/office/2006/documentManagement/types"/>
+    <ds:schemaRef ds:uri="http://purl.org/dc/elements/1.1/"/>
+    <ds:schemaRef ds:uri="63c724b1-652e-424f-8d99-4ee509067280"/>
+    <ds:schemaRef ds:uri="http://purl.org/dc/terms/"/>
+    <ds:schemaRef ds:uri="http://www.w3.org/XML/1998/namespace"/>
+    <ds:schemaRef ds:uri="2551ef7e-3b29-44d1-a8ad-ef34c26bfc60"/>
+    <ds:schemaRef ds:uri="http://schemas.openxmlformats.org/package/2006/metadata/core-properties"/>
+    <ds:schemaRef ds:uri="http://purl.org/dc/dcmitype/"/>
   </ds:schemaRefs>
 </ds:datastoreItem>
 </file>